--- a/01. 폴리곤 메쉬.pptx
+++ b/01. 폴리곤 메쉬.pptx
@@ -5,7 +5,7 @@
     <p:sldMasterId id="2147483720" r:id="rId1"/>
   </p:sldMasterIdLst>
   <p:notesMasterIdLst>
-    <p:notesMasterId r:id="rId20"/>
+    <p:notesMasterId r:id="rId18"/>
   </p:notesMasterIdLst>
   <p:sldIdLst>
     <p:sldId id="256" r:id="rId2"/>
@@ -24,8 +24,6 @@
     <p:sldId id="272" r:id="rId15"/>
     <p:sldId id="273" r:id="rId16"/>
     <p:sldId id="274" r:id="rId17"/>
-    <p:sldId id="275" r:id="rId18"/>
-    <p:sldId id="276" r:id="rId19"/>
   </p:sldIdLst>
   <p:sldSz cx="9144000" cy="6858000" type="screen4x3"/>
   <p:notesSz cx="6858000" cy="9144000"/>
@@ -2027,8 +2025,8 @@
     <dgm:cxn modelId="{2DC7583C-2DB2-4829-BE0C-D9B983E20ED6}" type="presOf" srcId="{485EDFC0-CCEF-4C7B-BEAB-6BFD2B6E7E26}" destId="{85D3D9A1-0466-4D37-90A9-F1C28522AEED}" srcOrd="0" destOrd="0" presId="urn:microsoft.com/office/officeart/2005/8/layout/process1"/>
     <dgm:cxn modelId="{05DC7AF1-4565-40A4-902F-2D994846F530}" type="presOf" srcId="{AC7A971F-5DF9-4537-8374-801C84F4652A}" destId="{FA7B6D9C-C14C-470A-B366-19594DDDBAC2}" srcOrd="0" destOrd="0" presId="urn:microsoft.com/office/officeart/2005/8/layout/process1"/>
     <dgm:cxn modelId="{037F7372-4998-4485-9685-F8739A1A74EE}" type="presOf" srcId="{AC7A971F-5DF9-4537-8374-801C84F4652A}" destId="{7D4D303A-CA31-493F-95C6-4DCC91276803}" srcOrd="1" destOrd="0" presId="urn:microsoft.com/office/officeart/2005/8/layout/process1"/>
+    <dgm:cxn modelId="{06373433-A088-4C5B-918B-2B6C70F7275E}" type="presOf" srcId="{4DC38E8D-7861-4250-B9CB-D6B8650F27A9}" destId="{D8F50112-7BB2-434E-9490-CD5F15628141}" srcOrd="0" destOrd="0" presId="urn:microsoft.com/office/officeart/2005/8/layout/process1"/>
     <dgm:cxn modelId="{55C143F7-ABC0-4524-B38E-501C5F20AA5A}" srcId="{485EDFC0-CCEF-4C7B-BEAB-6BFD2B6E7E26}" destId="{4DC38E8D-7861-4250-B9CB-D6B8650F27A9}" srcOrd="4" destOrd="0" parTransId="{173567C5-3B1F-47B6-A899-C4716D4A3EE3}" sibTransId="{DE135F49-57C5-4C42-9885-2D8A5878D640}"/>
-    <dgm:cxn modelId="{06373433-A088-4C5B-918B-2B6C70F7275E}" type="presOf" srcId="{4DC38E8D-7861-4250-B9CB-D6B8650F27A9}" destId="{D8F50112-7BB2-434E-9490-CD5F15628141}" srcOrd="0" destOrd="0" presId="urn:microsoft.com/office/officeart/2005/8/layout/process1"/>
     <dgm:cxn modelId="{B1E0529E-E539-44B7-AFCD-267C93F9F940}" type="presOf" srcId="{8BE8FFDA-C411-45AA-905A-9A4086BE6AE7}" destId="{38F4557E-F861-44E4-B1C5-9AE37B9E2E7B}" srcOrd="0" destOrd="0" presId="urn:microsoft.com/office/officeart/2005/8/layout/process1"/>
     <dgm:cxn modelId="{FCDF37EF-5943-4235-A82F-132412AB3984}" type="presOf" srcId="{24D117C9-40C2-428F-B08A-82B3D2027F3E}" destId="{F5E8424D-863D-48DA-BD62-C8FCE77FA41E}" srcOrd="0" destOrd="0" presId="urn:microsoft.com/office/officeart/2005/8/layout/process1"/>
     <dgm:cxn modelId="{1BACE79D-9CEF-4B62-A835-32A36FC4ABF5}" type="presOf" srcId="{86167E69-1623-4049-925E-C478A46FFB30}" destId="{82EBFCE4-C0E0-4C5F-8B8C-357ABB7C4BF1}" srcOrd="0" destOrd="0" presId="urn:microsoft.com/office/officeart/2005/8/layout/process1"/>
@@ -2463,8 +2461,8 @@
     <dgm:cxn modelId="{C3125375-463E-429A-806A-323AF6A227C8}" type="presOf" srcId="{0AA39C6C-1D0E-442D-90F8-689D5CD99C12}" destId="{23AC3AF8-BB53-435F-9272-CCAAC3FE5A17}" srcOrd="1" destOrd="0" presId="urn:microsoft.com/office/officeart/2005/8/layout/process1"/>
     <dgm:cxn modelId="{9DE58ACC-1B1F-4262-82EA-04AAF1FB45B5}" type="presOf" srcId="{4DC38E8D-7861-4250-B9CB-D6B8650F27A9}" destId="{D8F50112-7BB2-434E-9490-CD5F15628141}" srcOrd="0" destOrd="0" presId="urn:microsoft.com/office/officeart/2005/8/layout/process1"/>
     <dgm:cxn modelId="{B72FCA16-F8A8-4613-83A8-C82889E13F99}" type="presOf" srcId="{B5C5734D-79D2-43F0-8451-8C7731ED1AB4}" destId="{2736B526-2402-4BF5-91C5-256C3E9D628E}" srcOrd="0" destOrd="0" presId="urn:microsoft.com/office/officeart/2005/8/layout/process1"/>
+    <dgm:cxn modelId="{7B369DF5-6999-44CE-AC86-793BBBB8FA4D}" type="presOf" srcId="{24D117C9-40C2-428F-B08A-82B3D2027F3E}" destId="{F5E8424D-863D-48DA-BD62-C8FCE77FA41E}" srcOrd="0" destOrd="0" presId="urn:microsoft.com/office/officeart/2005/8/layout/process1"/>
     <dgm:cxn modelId="{210A984E-98C0-42E9-8194-A75D7BF031BD}" type="presOf" srcId="{8BE8FFDA-C411-45AA-905A-9A4086BE6AE7}" destId="{38F4557E-F861-44E4-B1C5-9AE37B9E2E7B}" srcOrd="0" destOrd="0" presId="urn:microsoft.com/office/officeart/2005/8/layout/process1"/>
-    <dgm:cxn modelId="{7B369DF5-6999-44CE-AC86-793BBBB8FA4D}" type="presOf" srcId="{24D117C9-40C2-428F-B08A-82B3D2027F3E}" destId="{F5E8424D-863D-48DA-BD62-C8FCE77FA41E}" srcOrd="0" destOrd="0" presId="urn:microsoft.com/office/officeart/2005/8/layout/process1"/>
     <dgm:cxn modelId="{8641CE2D-2C95-4820-A8F2-7A307CB0656B}" type="presOf" srcId="{17D5A739-2EE7-4773-999F-CEAC70DE083C}" destId="{2F5652B9-1A79-44CD-B817-4204D6EFA6BE}" srcOrd="0" destOrd="0" presId="urn:microsoft.com/office/officeart/2005/8/layout/process1"/>
     <dgm:cxn modelId="{5425CBE3-FF72-4701-A136-8F28D7881347}" type="presOf" srcId="{86167E69-1623-4049-925E-C478A46FFB30}" destId="{82EBFCE4-C0E0-4C5F-8B8C-357ABB7C4BF1}" srcOrd="0" destOrd="0" presId="urn:microsoft.com/office/officeart/2005/8/layout/process1"/>
     <dgm:cxn modelId="{C0646522-97DD-488D-80A3-9CD862AF8B93}" type="presOf" srcId="{485EDFC0-CCEF-4C7B-BEAB-6BFD2B6E7E26}" destId="{85D3D9A1-0466-4D37-90A9-F1C28522AEED}" srcOrd="0" destOrd="0" presId="urn:microsoft.com/office/officeart/2005/8/layout/process1"/>
@@ -2503,677 +2501,6 @@
       <dsp:cNvGrpSpPr/>
     </dsp:nvGrpSpPr>
     <dsp:grpSpPr/>
-    <dsp:sp modelId="{B801FED2-A857-4496-8D75-D6AFEEF45F0A}">
-      <dsp:nvSpPr>
-        <dsp:cNvPr id="0" name=""/>
-        <dsp:cNvSpPr/>
-      </dsp:nvSpPr>
-      <dsp:spPr>
-        <a:xfrm>
-          <a:off x="3937" y="173831"/>
-          <a:ext cx="1220760" cy="732456"/>
-        </a:xfrm>
-        <a:prstGeom prst="roundRect">
-          <a:avLst>
-            <a:gd name="adj" fmla="val 10000"/>
-          </a:avLst>
-        </a:prstGeom>
-        <a:solidFill>
-          <a:schemeClr val="accent1">
-            <a:hueOff val="0"/>
-            <a:satOff val="0"/>
-            <a:lumOff val="0"/>
-            <a:alphaOff val="0"/>
-          </a:schemeClr>
-        </a:solidFill>
-        <a:ln w="12700" cap="flat" cmpd="sng" algn="ctr">
-          <a:solidFill>
-            <a:schemeClr val="lt1">
-              <a:hueOff val="0"/>
-              <a:satOff val="0"/>
-              <a:lumOff val="0"/>
-              <a:alphaOff val="0"/>
-            </a:schemeClr>
-          </a:solidFill>
-          <a:prstDash val="solid"/>
-        </a:ln>
-        <a:effectLst/>
-      </dsp:spPr>
-      <dsp:style>
-        <a:lnRef idx="2">
-          <a:scrgbClr r="0" g="0" b="0"/>
-        </a:lnRef>
-        <a:fillRef idx="1">
-          <a:scrgbClr r="0" g="0" b="0"/>
-        </a:fillRef>
-        <a:effectRef idx="0">
-          <a:scrgbClr r="0" g="0" b="0"/>
-        </a:effectRef>
-        <a:fontRef idx="minor">
-          <a:schemeClr val="lt1"/>
-        </a:fontRef>
-      </dsp:style>
-      <dsp:txBody>
-        <a:bodyPr spcFirstLastPara="0" vert="horz" wrap="square" lIns="57150" tIns="57150" rIns="57150" bIns="57150" numCol="1" spcCol="1270" anchor="ctr" anchorCtr="0">
-          <a:noAutofit/>
-        </a:bodyPr>
-        <a:lstStyle/>
-        <a:p>
-          <a:pPr lvl="0" algn="ctr" defTabSz="666750" latinLnBrk="1">
-            <a:lnSpc>
-              <a:spcPct val="90000"/>
-            </a:lnSpc>
-            <a:spcBef>
-              <a:spcPct val="0"/>
-            </a:spcBef>
-            <a:spcAft>
-              <a:spcPct val="35000"/>
-            </a:spcAft>
-          </a:pPr>
-          <a:r>
-            <a:rPr lang="en-US" altLang="ko-KR" sz="1500" kern="1200" dirty="0" smtClean="0"/>
-            <a:t>Modeling</a:t>
-          </a:r>
-          <a:endParaRPr lang="ko-KR" altLang="en-US" sz="1500" kern="1200" dirty="0"/>
-        </a:p>
-      </dsp:txBody>
-      <dsp:txXfrm>
-        <a:off x="25390" y="195284"/>
-        <a:ext cx="1177854" cy="689550"/>
-      </dsp:txXfrm>
-    </dsp:sp>
-    <dsp:sp modelId="{FA7B6D9C-C14C-470A-B366-19594DDDBAC2}">
-      <dsp:nvSpPr>
-        <dsp:cNvPr id="0" name=""/>
-        <dsp:cNvSpPr/>
-      </dsp:nvSpPr>
-      <dsp:spPr>
-        <a:xfrm>
-          <a:off x="1346774" y="388685"/>
-          <a:ext cx="258801" cy="302748"/>
-        </a:xfrm>
-        <a:prstGeom prst="rightArrow">
-          <a:avLst>
-            <a:gd name="adj1" fmla="val 60000"/>
-            <a:gd name="adj2" fmla="val 50000"/>
-          </a:avLst>
-        </a:prstGeom>
-        <a:solidFill>
-          <a:schemeClr val="accent1">
-            <a:tint val="60000"/>
-            <a:hueOff val="0"/>
-            <a:satOff val="0"/>
-            <a:lumOff val="0"/>
-            <a:alphaOff val="0"/>
-          </a:schemeClr>
-        </a:solidFill>
-        <a:ln>
-          <a:noFill/>
-        </a:ln>
-        <a:effectLst/>
-      </dsp:spPr>
-      <dsp:style>
-        <a:lnRef idx="0">
-          <a:scrgbClr r="0" g="0" b="0"/>
-        </a:lnRef>
-        <a:fillRef idx="1">
-          <a:scrgbClr r="0" g="0" b="0"/>
-        </a:fillRef>
-        <a:effectRef idx="0">
-          <a:scrgbClr r="0" g="0" b="0"/>
-        </a:effectRef>
-        <a:fontRef idx="minor">
-          <a:schemeClr val="lt1"/>
-        </a:fontRef>
-      </dsp:style>
-      <dsp:txBody>
-        <a:bodyPr spcFirstLastPara="0" vert="horz" wrap="square" lIns="0" tIns="0" rIns="0" bIns="0" numCol="1" spcCol="1270" anchor="ctr" anchorCtr="0">
-          <a:noAutofit/>
-        </a:bodyPr>
-        <a:lstStyle/>
-        <a:p>
-          <a:pPr lvl="0" algn="ctr" defTabSz="533400" latinLnBrk="1">
-            <a:lnSpc>
-              <a:spcPct val="90000"/>
-            </a:lnSpc>
-            <a:spcBef>
-              <a:spcPct val="0"/>
-            </a:spcBef>
-            <a:spcAft>
-              <a:spcPct val="35000"/>
-            </a:spcAft>
-          </a:pPr>
-          <a:endParaRPr lang="ko-KR" altLang="en-US" sz="1200" kern="1200"/>
-        </a:p>
-      </dsp:txBody>
-      <dsp:txXfrm>
-        <a:off x="1346774" y="449235"/>
-        <a:ext cx="181161" cy="181648"/>
-      </dsp:txXfrm>
-    </dsp:sp>
-    <dsp:sp modelId="{82EBFCE4-C0E0-4C5F-8B8C-357ABB7C4BF1}">
-      <dsp:nvSpPr>
-        <dsp:cNvPr id="0" name=""/>
-        <dsp:cNvSpPr/>
-      </dsp:nvSpPr>
-      <dsp:spPr>
-        <a:xfrm>
-          <a:off x="1713002" y="173831"/>
-          <a:ext cx="1220760" cy="732456"/>
-        </a:xfrm>
-        <a:prstGeom prst="roundRect">
-          <a:avLst>
-            <a:gd name="adj" fmla="val 10000"/>
-          </a:avLst>
-        </a:prstGeom>
-        <a:solidFill>
-          <a:schemeClr val="accent1">
-            <a:hueOff val="0"/>
-            <a:satOff val="0"/>
-            <a:lumOff val="0"/>
-            <a:alphaOff val="0"/>
-          </a:schemeClr>
-        </a:solidFill>
-        <a:ln w="12700" cap="flat" cmpd="sng" algn="ctr">
-          <a:solidFill>
-            <a:schemeClr val="lt1">
-              <a:hueOff val="0"/>
-              <a:satOff val="0"/>
-              <a:lumOff val="0"/>
-              <a:alphaOff val="0"/>
-            </a:schemeClr>
-          </a:solidFill>
-          <a:prstDash val="solid"/>
-        </a:ln>
-        <a:effectLst/>
-      </dsp:spPr>
-      <dsp:style>
-        <a:lnRef idx="2">
-          <a:scrgbClr r="0" g="0" b="0"/>
-        </a:lnRef>
-        <a:fillRef idx="1">
-          <a:scrgbClr r="0" g="0" b="0"/>
-        </a:fillRef>
-        <a:effectRef idx="0">
-          <a:scrgbClr r="0" g="0" b="0"/>
-        </a:effectRef>
-        <a:fontRef idx="minor">
-          <a:schemeClr val="lt1"/>
-        </a:fontRef>
-      </dsp:style>
-      <dsp:txBody>
-        <a:bodyPr spcFirstLastPara="0" vert="horz" wrap="square" lIns="57150" tIns="57150" rIns="57150" bIns="57150" numCol="1" spcCol="1270" anchor="ctr" anchorCtr="0">
-          <a:noAutofit/>
-        </a:bodyPr>
-        <a:lstStyle/>
-        <a:p>
-          <a:pPr lvl="0" algn="ctr" defTabSz="666750" latinLnBrk="1">
-            <a:lnSpc>
-              <a:spcPct val="90000"/>
-            </a:lnSpc>
-            <a:spcBef>
-              <a:spcPct val="0"/>
-            </a:spcBef>
-            <a:spcAft>
-              <a:spcPct val="35000"/>
-            </a:spcAft>
-          </a:pPr>
-          <a:r>
-            <a:rPr lang="en-US" altLang="ko-KR" sz="1500" kern="1200" dirty="0" smtClean="0"/>
-            <a:t>Rigging</a:t>
-          </a:r>
-          <a:endParaRPr lang="ko-KR" altLang="en-US" sz="1500" kern="1200" dirty="0"/>
-        </a:p>
-      </dsp:txBody>
-      <dsp:txXfrm>
-        <a:off x="1734455" y="195284"/>
-        <a:ext cx="1177854" cy="689550"/>
-      </dsp:txXfrm>
-    </dsp:sp>
-    <dsp:sp modelId="{2F5652B9-1A79-44CD-B817-4204D6EFA6BE}">
-      <dsp:nvSpPr>
-        <dsp:cNvPr id="0" name=""/>
-        <dsp:cNvSpPr/>
-      </dsp:nvSpPr>
-      <dsp:spPr>
-        <a:xfrm>
-          <a:off x="3055839" y="388685"/>
-          <a:ext cx="258801" cy="302748"/>
-        </a:xfrm>
-        <a:prstGeom prst="rightArrow">
-          <a:avLst>
-            <a:gd name="adj1" fmla="val 60000"/>
-            <a:gd name="adj2" fmla="val 50000"/>
-          </a:avLst>
-        </a:prstGeom>
-        <a:solidFill>
-          <a:schemeClr val="accent1">
-            <a:tint val="60000"/>
-            <a:hueOff val="0"/>
-            <a:satOff val="0"/>
-            <a:lumOff val="0"/>
-            <a:alphaOff val="0"/>
-          </a:schemeClr>
-        </a:solidFill>
-        <a:ln>
-          <a:noFill/>
-        </a:ln>
-        <a:effectLst/>
-      </dsp:spPr>
-      <dsp:style>
-        <a:lnRef idx="0">
-          <a:scrgbClr r="0" g="0" b="0"/>
-        </a:lnRef>
-        <a:fillRef idx="1">
-          <a:scrgbClr r="0" g="0" b="0"/>
-        </a:fillRef>
-        <a:effectRef idx="0">
-          <a:scrgbClr r="0" g="0" b="0"/>
-        </a:effectRef>
-        <a:fontRef idx="minor">
-          <a:schemeClr val="lt1"/>
-        </a:fontRef>
-      </dsp:style>
-      <dsp:txBody>
-        <a:bodyPr spcFirstLastPara="0" vert="horz" wrap="square" lIns="0" tIns="0" rIns="0" bIns="0" numCol="1" spcCol="1270" anchor="ctr" anchorCtr="0">
-          <a:noAutofit/>
-        </a:bodyPr>
-        <a:lstStyle/>
-        <a:p>
-          <a:pPr lvl="0" algn="ctr" defTabSz="533400" latinLnBrk="1">
-            <a:lnSpc>
-              <a:spcPct val="90000"/>
-            </a:lnSpc>
-            <a:spcBef>
-              <a:spcPct val="0"/>
-            </a:spcBef>
-            <a:spcAft>
-              <a:spcPct val="35000"/>
-            </a:spcAft>
-          </a:pPr>
-          <a:endParaRPr lang="ko-KR" altLang="en-US" sz="1200" kern="1200"/>
-        </a:p>
-      </dsp:txBody>
-      <dsp:txXfrm>
-        <a:off x="3055839" y="449235"/>
-        <a:ext cx="181161" cy="181648"/>
-      </dsp:txXfrm>
-    </dsp:sp>
-    <dsp:sp modelId="{F5E8424D-863D-48DA-BD62-C8FCE77FA41E}">
-      <dsp:nvSpPr>
-        <dsp:cNvPr id="0" name=""/>
-        <dsp:cNvSpPr/>
-      </dsp:nvSpPr>
-      <dsp:spPr>
-        <a:xfrm>
-          <a:off x="3422067" y="173831"/>
-          <a:ext cx="1220760" cy="732456"/>
-        </a:xfrm>
-        <a:prstGeom prst="roundRect">
-          <a:avLst>
-            <a:gd name="adj" fmla="val 10000"/>
-          </a:avLst>
-        </a:prstGeom>
-        <a:solidFill>
-          <a:schemeClr val="accent1">
-            <a:hueOff val="0"/>
-            <a:satOff val="0"/>
-            <a:lumOff val="0"/>
-            <a:alphaOff val="0"/>
-          </a:schemeClr>
-        </a:solidFill>
-        <a:ln w="12700" cap="flat" cmpd="sng" algn="ctr">
-          <a:solidFill>
-            <a:schemeClr val="lt1">
-              <a:hueOff val="0"/>
-              <a:satOff val="0"/>
-              <a:lumOff val="0"/>
-              <a:alphaOff val="0"/>
-            </a:schemeClr>
-          </a:solidFill>
-          <a:prstDash val="solid"/>
-        </a:ln>
-        <a:effectLst/>
-      </dsp:spPr>
-      <dsp:style>
-        <a:lnRef idx="2">
-          <a:scrgbClr r="0" g="0" b="0"/>
-        </a:lnRef>
-        <a:fillRef idx="1">
-          <a:scrgbClr r="0" g="0" b="0"/>
-        </a:fillRef>
-        <a:effectRef idx="0">
-          <a:scrgbClr r="0" g="0" b="0"/>
-        </a:effectRef>
-        <a:fontRef idx="minor">
-          <a:schemeClr val="lt1"/>
-        </a:fontRef>
-      </dsp:style>
-      <dsp:txBody>
-        <a:bodyPr spcFirstLastPara="0" vert="horz" wrap="square" lIns="57150" tIns="57150" rIns="57150" bIns="57150" numCol="1" spcCol="1270" anchor="ctr" anchorCtr="0">
-          <a:noAutofit/>
-        </a:bodyPr>
-        <a:lstStyle/>
-        <a:p>
-          <a:pPr lvl="0" algn="ctr" defTabSz="666750" latinLnBrk="1">
-            <a:lnSpc>
-              <a:spcPct val="90000"/>
-            </a:lnSpc>
-            <a:spcBef>
-              <a:spcPct val="0"/>
-            </a:spcBef>
-            <a:spcAft>
-              <a:spcPct val="35000"/>
-            </a:spcAft>
-          </a:pPr>
-          <a:r>
-            <a:rPr lang="en-US" altLang="ko-KR" sz="1500" kern="1200" dirty="0" smtClean="0"/>
-            <a:t>Animation</a:t>
-          </a:r>
-          <a:endParaRPr lang="ko-KR" altLang="en-US" sz="1500" kern="1200" dirty="0"/>
-        </a:p>
-      </dsp:txBody>
-      <dsp:txXfrm>
-        <a:off x="3443520" y="195284"/>
-        <a:ext cx="1177854" cy="689550"/>
-      </dsp:txXfrm>
-    </dsp:sp>
-    <dsp:sp modelId="{2736B526-2402-4BF5-91C5-256C3E9D628E}">
-      <dsp:nvSpPr>
-        <dsp:cNvPr id="0" name=""/>
-        <dsp:cNvSpPr/>
-      </dsp:nvSpPr>
-      <dsp:spPr>
-        <a:xfrm>
-          <a:off x="4764904" y="388685"/>
-          <a:ext cx="258801" cy="302748"/>
-        </a:xfrm>
-        <a:prstGeom prst="rightArrow">
-          <a:avLst>
-            <a:gd name="adj1" fmla="val 60000"/>
-            <a:gd name="adj2" fmla="val 50000"/>
-          </a:avLst>
-        </a:prstGeom>
-        <a:solidFill>
-          <a:schemeClr val="accent1">
-            <a:tint val="60000"/>
-            <a:hueOff val="0"/>
-            <a:satOff val="0"/>
-            <a:lumOff val="0"/>
-            <a:alphaOff val="0"/>
-          </a:schemeClr>
-        </a:solidFill>
-        <a:ln>
-          <a:noFill/>
-        </a:ln>
-        <a:effectLst/>
-      </dsp:spPr>
-      <dsp:style>
-        <a:lnRef idx="0">
-          <a:scrgbClr r="0" g="0" b="0"/>
-        </a:lnRef>
-        <a:fillRef idx="1">
-          <a:scrgbClr r="0" g="0" b="0"/>
-        </a:fillRef>
-        <a:effectRef idx="0">
-          <a:scrgbClr r="0" g="0" b="0"/>
-        </a:effectRef>
-        <a:fontRef idx="minor">
-          <a:schemeClr val="lt1"/>
-        </a:fontRef>
-      </dsp:style>
-      <dsp:txBody>
-        <a:bodyPr spcFirstLastPara="0" vert="horz" wrap="square" lIns="0" tIns="0" rIns="0" bIns="0" numCol="1" spcCol="1270" anchor="ctr" anchorCtr="0">
-          <a:noAutofit/>
-        </a:bodyPr>
-        <a:lstStyle/>
-        <a:p>
-          <a:pPr lvl="0" algn="ctr" defTabSz="533400" latinLnBrk="1">
-            <a:lnSpc>
-              <a:spcPct val="90000"/>
-            </a:lnSpc>
-            <a:spcBef>
-              <a:spcPct val="0"/>
-            </a:spcBef>
-            <a:spcAft>
-              <a:spcPct val="35000"/>
-            </a:spcAft>
-          </a:pPr>
-          <a:endParaRPr lang="ko-KR" altLang="en-US" sz="1200" kern="1200"/>
-        </a:p>
-      </dsp:txBody>
-      <dsp:txXfrm>
-        <a:off x="4764904" y="449235"/>
-        <a:ext cx="181161" cy="181648"/>
-      </dsp:txXfrm>
-    </dsp:sp>
-    <dsp:sp modelId="{38F4557E-F861-44E4-B1C5-9AE37B9E2E7B}">
-      <dsp:nvSpPr>
-        <dsp:cNvPr id="0" name=""/>
-        <dsp:cNvSpPr/>
-      </dsp:nvSpPr>
-      <dsp:spPr>
-        <a:xfrm>
-          <a:off x="5131132" y="173831"/>
-          <a:ext cx="1220760" cy="732456"/>
-        </a:xfrm>
-        <a:prstGeom prst="roundRect">
-          <a:avLst>
-            <a:gd name="adj" fmla="val 10000"/>
-          </a:avLst>
-        </a:prstGeom>
-        <a:solidFill>
-          <a:schemeClr val="accent1">
-            <a:hueOff val="0"/>
-            <a:satOff val="0"/>
-            <a:lumOff val="0"/>
-            <a:alphaOff val="0"/>
-          </a:schemeClr>
-        </a:solidFill>
-        <a:ln w="12700" cap="flat" cmpd="sng" algn="ctr">
-          <a:solidFill>
-            <a:schemeClr val="lt1">
-              <a:hueOff val="0"/>
-              <a:satOff val="0"/>
-              <a:lumOff val="0"/>
-              <a:alphaOff val="0"/>
-            </a:schemeClr>
-          </a:solidFill>
-          <a:prstDash val="solid"/>
-        </a:ln>
-        <a:effectLst/>
-      </dsp:spPr>
-      <dsp:style>
-        <a:lnRef idx="2">
-          <a:scrgbClr r="0" g="0" b="0"/>
-        </a:lnRef>
-        <a:fillRef idx="1">
-          <a:scrgbClr r="0" g="0" b="0"/>
-        </a:fillRef>
-        <a:effectRef idx="0">
-          <a:scrgbClr r="0" g="0" b="0"/>
-        </a:effectRef>
-        <a:fontRef idx="minor">
-          <a:schemeClr val="lt1"/>
-        </a:fontRef>
-      </dsp:style>
-      <dsp:txBody>
-        <a:bodyPr spcFirstLastPara="0" vert="horz" wrap="square" lIns="57150" tIns="57150" rIns="57150" bIns="57150" numCol="1" spcCol="1270" anchor="ctr" anchorCtr="0">
-          <a:noAutofit/>
-        </a:bodyPr>
-        <a:lstStyle/>
-        <a:p>
-          <a:pPr lvl="0" algn="ctr" defTabSz="666750" latinLnBrk="1">
-            <a:lnSpc>
-              <a:spcPct val="90000"/>
-            </a:lnSpc>
-            <a:spcBef>
-              <a:spcPct val="0"/>
-            </a:spcBef>
-            <a:spcAft>
-              <a:spcPct val="35000"/>
-            </a:spcAft>
-          </a:pPr>
-          <a:r>
-            <a:rPr lang="en-US" altLang="ko-KR" sz="1500" kern="1200" dirty="0" smtClean="0"/>
-            <a:t>Rendering</a:t>
-          </a:r>
-          <a:endParaRPr lang="ko-KR" altLang="en-US" sz="1500" kern="1200" dirty="0"/>
-        </a:p>
-      </dsp:txBody>
-      <dsp:txXfrm>
-        <a:off x="5152585" y="195284"/>
-        <a:ext cx="1177854" cy="689550"/>
-      </dsp:txXfrm>
-    </dsp:sp>
-    <dsp:sp modelId="{AC637477-D222-4282-9418-B2173DCE6B80}">
-      <dsp:nvSpPr>
-        <dsp:cNvPr id="0" name=""/>
-        <dsp:cNvSpPr/>
-      </dsp:nvSpPr>
-      <dsp:spPr>
-        <a:xfrm>
-          <a:off x="6473969" y="388685"/>
-          <a:ext cx="258801" cy="302748"/>
-        </a:xfrm>
-        <a:prstGeom prst="rightArrow">
-          <a:avLst>
-            <a:gd name="adj1" fmla="val 60000"/>
-            <a:gd name="adj2" fmla="val 50000"/>
-          </a:avLst>
-        </a:prstGeom>
-        <a:solidFill>
-          <a:schemeClr val="accent1">
-            <a:tint val="60000"/>
-            <a:hueOff val="0"/>
-            <a:satOff val="0"/>
-            <a:lumOff val="0"/>
-            <a:alphaOff val="0"/>
-          </a:schemeClr>
-        </a:solidFill>
-        <a:ln>
-          <a:noFill/>
-        </a:ln>
-        <a:effectLst/>
-      </dsp:spPr>
-      <dsp:style>
-        <a:lnRef idx="0">
-          <a:scrgbClr r="0" g="0" b="0"/>
-        </a:lnRef>
-        <a:fillRef idx="1">
-          <a:scrgbClr r="0" g="0" b="0"/>
-        </a:fillRef>
-        <a:effectRef idx="0">
-          <a:scrgbClr r="0" g="0" b="0"/>
-        </a:effectRef>
-        <a:fontRef idx="minor">
-          <a:schemeClr val="lt1"/>
-        </a:fontRef>
-      </dsp:style>
-      <dsp:txBody>
-        <a:bodyPr spcFirstLastPara="0" vert="horz" wrap="square" lIns="0" tIns="0" rIns="0" bIns="0" numCol="1" spcCol="1270" anchor="ctr" anchorCtr="0">
-          <a:noAutofit/>
-        </a:bodyPr>
-        <a:lstStyle/>
-        <a:p>
-          <a:pPr lvl="0" algn="ctr" defTabSz="533400" latinLnBrk="1">
-            <a:lnSpc>
-              <a:spcPct val="90000"/>
-            </a:lnSpc>
-            <a:spcBef>
-              <a:spcPct val="0"/>
-            </a:spcBef>
-            <a:spcAft>
-              <a:spcPct val="35000"/>
-            </a:spcAft>
-          </a:pPr>
-          <a:endParaRPr lang="ko-KR" altLang="en-US" sz="1200" kern="1200"/>
-        </a:p>
-      </dsp:txBody>
-      <dsp:txXfrm>
-        <a:off x="6473969" y="449235"/>
-        <a:ext cx="181161" cy="181648"/>
-      </dsp:txXfrm>
-    </dsp:sp>
-    <dsp:sp modelId="{D8F50112-7BB2-434E-9490-CD5F15628141}">
-      <dsp:nvSpPr>
-        <dsp:cNvPr id="0" name=""/>
-        <dsp:cNvSpPr/>
-      </dsp:nvSpPr>
-      <dsp:spPr>
-        <a:xfrm>
-          <a:off x="6840197" y="173831"/>
-          <a:ext cx="1220760" cy="732456"/>
-        </a:xfrm>
-        <a:prstGeom prst="roundRect">
-          <a:avLst>
-            <a:gd name="adj" fmla="val 10000"/>
-          </a:avLst>
-        </a:prstGeom>
-        <a:solidFill>
-          <a:schemeClr val="accent1">
-            <a:hueOff val="0"/>
-            <a:satOff val="0"/>
-            <a:lumOff val="0"/>
-            <a:alphaOff val="0"/>
-          </a:schemeClr>
-        </a:solidFill>
-        <a:ln w="12700" cap="flat" cmpd="sng" algn="ctr">
-          <a:solidFill>
-            <a:schemeClr val="lt1">
-              <a:hueOff val="0"/>
-              <a:satOff val="0"/>
-              <a:lumOff val="0"/>
-              <a:alphaOff val="0"/>
-            </a:schemeClr>
-          </a:solidFill>
-          <a:prstDash val="solid"/>
-        </a:ln>
-        <a:effectLst/>
-      </dsp:spPr>
-      <dsp:style>
-        <a:lnRef idx="2">
-          <a:scrgbClr r="0" g="0" b="0"/>
-        </a:lnRef>
-        <a:fillRef idx="1">
-          <a:scrgbClr r="0" g="0" b="0"/>
-        </a:fillRef>
-        <a:effectRef idx="0">
-          <a:scrgbClr r="0" g="0" b="0"/>
-        </a:effectRef>
-        <a:fontRef idx="minor">
-          <a:schemeClr val="lt1"/>
-        </a:fontRef>
-      </dsp:style>
-      <dsp:txBody>
-        <a:bodyPr spcFirstLastPara="0" vert="horz" wrap="square" lIns="57150" tIns="57150" rIns="57150" bIns="57150" numCol="1" spcCol="1270" anchor="ctr" anchorCtr="0">
-          <a:noAutofit/>
-        </a:bodyPr>
-        <a:lstStyle/>
-        <a:p>
-          <a:pPr lvl="0" algn="ctr" defTabSz="666750" latinLnBrk="1">
-            <a:lnSpc>
-              <a:spcPct val="90000"/>
-            </a:lnSpc>
-            <a:spcBef>
-              <a:spcPct val="0"/>
-            </a:spcBef>
-            <a:spcAft>
-              <a:spcPct val="35000"/>
-            </a:spcAft>
-          </a:pPr>
-          <a:r>
-            <a:rPr lang="en-US" altLang="ko-KR" sz="1500" kern="1200" dirty="0" smtClean="0"/>
-            <a:t>Post Processing</a:t>
-          </a:r>
-          <a:endParaRPr lang="ko-KR" altLang="en-US" sz="1500" kern="1200" dirty="0"/>
-        </a:p>
-      </dsp:txBody>
-      <dsp:txXfrm>
-        <a:off x="6861650" y="195284"/>
-        <a:ext cx="1177854" cy="689550"/>
-      </dsp:txXfrm>
-    </dsp:sp>
   </dsp:spTree>
 </dsp:drawing>
 </file>
@@ -3186,677 +2513,6 @@
       <dsp:cNvGrpSpPr/>
     </dsp:nvGrpSpPr>
     <dsp:grpSpPr/>
-    <dsp:sp modelId="{B801FED2-A857-4496-8D75-D6AFEEF45F0A}">
-      <dsp:nvSpPr>
-        <dsp:cNvPr id="0" name=""/>
-        <dsp:cNvSpPr/>
-      </dsp:nvSpPr>
-      <dsp:spPr>
-        <a:xfrm>
-          <a:off x="3937" y="173831"/>
-          <a:ext cx="1220760" cy="732456"/>
-        </a:xfrm>
-        <a:prstGeom prst="roundRect">
-          <a:avLst>
-            <a:gd name="adj" fmla="val 10000"/>
-          </a:avLst>
-        </a:prstGeom>
-        <a:solidFill>
-          <a:schemeClr val="accent1">
-            <a:hueOff val="0"/>
-            <a:satOff val="0"/>
-            <a:lumOff val="0"/>
-            <a:alphaOff val="0"/>
-          </a:schemeClr>
-        </a:solidFill>
-        <a:ln w="12700" cap="flat" cmpd="sng" algn="ctr">
-          <a:solidFill>
-            <a:schemeClr val="lt1">
-              <a:hueOff val="0"/>
-              <a:satOff val="0"/>
-              <a:lumOff val="0"/>
-              <a:alphaOff val="0"/>
-            </a:schemeClr>
-          </a:solidFill>
-          <a:prstDash val="solid"/>
-        </a:ln>
-        <a:effectLst/>
-      </dsp:spPr>
-      <dsp:style>
-        <a:lnRef idx="2">
-          <a:scrgbClr r="0" g="0" b="0"/>
-        </a:lnRef>
-        <a:fillRef idx="1">
-          <a:scrgbClr r="0" g="0" b="0"/>
-        </a:fillRef>
-        <a:effectRef idx="0">
-          <a:scrgbClr r="0" g="0" b="0"/>
-        </a:effectRef>
-        <a:fontRef idx="minor">
-          <a:schemeClr val="lt1"/>
-        </a:fontRef>
-      </dsp:style>
-      <dsp:txBody>
-        <a:bodyPr spcFirstLastPara="0" vert="horz" wrap="square" lIns="57150" tIns="57150" rIns="57150" bIns="57150" numCol="1" spcCol="1270" anchor="ctr" anchorCtr="0">
-          <a:noAutofit/>
-        </a:bodyPr>
-        <a:lstStyle/>
-        <a:p>
-          <a:pPr lvl="0" algn="ctr" defTabSz="666750" latinLnBrk="1">
-            <a:lnSpc>
-              <a:spcPct val="90000"/>
-            </a:lnSpc>
-            <a:spcBef>
-              <a:spcPct val="0"/>
-            </a:spcBef>
-            <a:spcAft>
-              <a:spcPct val="35000"/>
-            </a:spcAft>
-          </a:pPr>
-          <a:r>
-            <a:rPr lang="en-US" altLang="ko-KR" sz="1500" kern="1200" dirty="0" smtClean="0"/>
-            <a:t>Modeling</a:t>
-          </a:r>
-          <a:endParaRPr lang="ko-KR" altLang="en-US" sz="1500" kern="1200" dirty="0"/>
-        </a:p>
-      </dsp:txBody>
-      <dsp:txXfrm>
-        <a:off x="25390" y="195284"/>
-        <a:ext cx="1177854" cy="689550"/>
-      </dsp:txXfrm>
-    </dsp:sp>
-    <dsp:sp modelId="{FA7B6D9C-C14C-470A-B366-19594DDDBAC2}">
-      <dsp:nvSpPr>
-        <dsp:cNvPr id="0" name=""/>
-        <dsp:cNvSpPr/>
-      </dsp:nvSpPr>
-      <dsp:spPr>
-        <a:xfrm>
-          <a:off x="1346774" y="388685"/>
-          <a:ext cx="258801" cy="302748"/>
-        </a:xfrm>
-        <a:prstGeom prst="rightArrow">
-          <a:avLst>
-            <a:gd name="adj1" fmla="val 60000"/>
-            <a:gd name="adj2" fmla="val 50000"/>
-          </a:avLst>
-        </a:prstGeom>
-        <a:solidFill>
-          <a:schemeClr val="accent1">
-            <a:tint val="60000"/>
-            <a:hueOff val="0"/>
-            <a:satOff val="0"/>
-            <a:lumOff val="0"/>
-            <a:alphaOff val="0"/>
-          </a:schemeClr>
-        </a:solidFill>
-        <a:ln>
-          <a:noFill/>
-        </a:ln>
-        <a:effectLst/>
-      </dsp:spPr>
-      <dsp:style>
-        <a:lnRef idx="0">
-          <a:scrgbClr r="0" g="0" b="0"/>
-        </a:lnRef>
-        <a:fillRef idx="1">
-          <a:scrgbClr r="0" g="0" b="0"/>
-        </a:fillRef>
-        <a:effectRef idx="0">
-          <a:scrgbClr r="0" g="0" b="0"/>
-        </a:effectRef>
-        <a:fontRef idx="minor">
-          <a:schemeClr val="lt1"/>
-        </a:fontRef>
-      </dsp:style>
-      <dsp:txBody>
-        <a:bodyPr spcFirstLastPara="0" vert="horz" wrap="square" lIns="0" tIns="0" rIns="0" bIns="0" numCol="1" spcCol="1270" anchor="ctr" anchorCtr="0">
-          <a:noAutofit/>
-        </a:bodyPr>
-        <a:lstStyle/>
-        <a:p>
-          <a:pPr lvl="0" algn="ctr" defTabSz="533400" latinLnBrk="1">
-            <a:lnSpc>
-              <a:spcPct val="90000"/>
-            </a:lnSpc>
-            <a:spcBef>
-              <a:spcPct val="0"/>
-            </a:spcBef>
-            <a:spcAft>
-              <a:spcPct val="35000"/>
-            </a:spcAft>
-          </a:pPr>
-          <a:endParaRPr lang="ko-KR" altLang="en-US" sz="1200" kern="1200"/>
-        </a:p>
-      </dsp:txBody>
-      <dsp:txXfrm>
-        <a:off x="1346774" y="449235"/>
-        <a:ext cx="181161" cy="181648"/>
-      </dsp:txXfrm>
-    </dsp:sp>
-    <dsp:sp modelId="{82EBFCE4-C0E0-4C5F-8B8C-357ABB7C4BF1}">
-      <dsp:nvSpPr>
-        <dsp:cNvPr id="0" name=""/>
-        <dsp:cNvSpPr/>
-      </dsp:nvSpPr>
-      <dsp:spPr>
-        <a:xfrm>
-          <a:off x="1713002" y="173831"/>
-          <a:ext cx="1220760" cy="732456"/>
-        </a:xfrm>
-        <a:prstGeom prst="roundRect">
-          <a:avLst>
-            <a:gd name="adj" fmla="val 10000"/>
-          </a:avLst>
-        </a:prstGeom>
-        <a:solidFill>
-          <a:schemeClr val="accent1">
-            <a:hueOff val="0"/>
-            <a:satOff val="0"/>
-            <a:lumOff val="0"/>
-            <a:alphaOff val="0"/>
-          </a:schemeClr>
-        </a:solidFill>
-        <a:ln w="12700" cap="flat" cmpd="sng" algn="ctr">
-          <a:solidFill>
-            <a:schemeClr val="lt1">
-              <a:hueOff val="0"/>
-              <a:satOff val="0"/>
-              <a:lumOff val="0"/>
-              <a:alphaOff val="0"/>
-            </a:schemeClr>
-          </a:solidFill>
-          <a:prstDash val="solid"/>
-        </a:ln>
-        <a:effectLst/>
-      </dsp:spPr>
-      <dsp:style>
-        <a:lnRef idx="2">
-          <a:scrgbClr r="0" g="0" b="0"/>
-        </a:lnRef>
-        <a:fillRef idx="1">
-          <a:scrgbClr r="0" g="0" b="0"/>
-        </a:fillRef>
-        <a:effectRef idx="0">
-          <a:scrgbClr r="0" g="0" b="0"/>
-        </a:effectRef>
-        <a:fontRef idx="minor">
-          <a:schemeClr val="lt1"/>
-        </a:fontRef>
-      </dsp:style>
-      <dsp:txBody>
-        <a:bodyPr spcFirstLastPara="0" vert="horz" wrap="square" lIns="57150" tIns="57150" rIns="57150" bIns="57150" numCol="1" spcCol="1270" anchor="ctr" anchorCtr="0">
-          <a:noAutofit/>
-        </a:bodyPr>
-        <a:lstStyle/>
-        <a:p>
-          <a:pPr lvl="0" algn="ctr" defTabSz="666750" latinLnBrk="1">
-            <a:lnSpc>
-              <a:spcPct val="90000"/>
-            </a:lnSpc>
-            <a:spcBef>
-              <a:spcPct val="0"/>
-            </a:spcBef>
-            <a:spcAft>
-              <a:spcPct val="35000"/>
-            </a:spcAft>
-          </a:pPr>
-          <a:r>
-            <a:rPr lang="en-US" altLang="ko-KR" sz="1500" kern="1200" dirty="0" smtClean="0"/>
-            <a:t>Rigging</a:t>
-          </a:r>
-          <a:endParaRPr lang="ko-KR" altLang="en-US" sz="1500" kern="1200" dirty="0"/>
-        </a:p>
-      </dsp:txBody>
-      <dsp:txXfrm>
-        <a:off x="1734455" y="195284"/>
-        <a:ext cx="1177854" cy="689550"/>
-      </dsp:txXfrm>
-    </dsp:sp>
-    <dsp:sp modelId="{2F5652B9-1A79-44CD-B817-4204D6EFA6BE}">
-      <dsp:nvSpPr>
-        <dsp:cNvPr id="0" name=""/>
-        <dsp:cNvSpPr/>
-      </dsp:nvSpPr>
-      <dsp:spPr>
-        <a:xfrm>
-          <a:off x="3055839" y="388685"/>
-          <a:ext cx="258801" cy="302748"/>
-        </a:xfrm>
-        <a:prstGeom prst="rightArrow">
-          <a:avLst>
-            <a:gd name="adj1" fmla="val 60000"/>
-            <a:gd name="adj2" fmla="val 50000"/>
-          </a:avLst>
-        </a:prstGeom>
-        <a:solidFill>
-          <a:schemeClr val="accent1">
-            <a:tint val="60000"/>
-            <a:hueOff val="0"/>
-            <a:satOff val="0"/>
-            <a:lumOff val="0"/>
-            <a:alphaOff val="0"/>
-          </a:schemeClr>
-        </a:solidFill>
-        <a:ln>
-          <a:noFill/>
-        </a:ln>
-        <a:effectLst/>
-      </dsp:spPr>
-      <dsp:style>
-        <a:lnRef idx="0">
-          <a:scrgbClr r="0" g="0" b="0"/>
-        </a:lnRef>
-        <a:fillRef idx="1">
-          <a:scrgbClr r="0" g="0" b="0"/>
-        </a:fillRef>
-        <a:effectRef idx="0">
-          <a:scrgbClr r="0" g="0" b="0"/>
-        </a:effectRef>
-        <a:fontRef idx="minor">
-          <a:schemeClr val="lt1"/>
-        </a:fontRef>
-      </dsp:style>
-      <dsp:txBody>
-        <a:bodyPr spcFirstLastPara="0" vert="horz" wrap="square" lIns="0" tIns="0" rIns="0" bIns="0" numCol="1" spcCol="1270" anchor="ctr" anchorCtr="0">
-          <a:noAutofit/>
-        </a:bodyPr>
-        <a:lstStyle/>
-        <a:p>
-          <a:pPr lvl="0" algn="ctr" defTabSz="533400" latinLnBrk="1">
-            <a:lnSpc>
-              <a:spcPct val="90000"/>
-            </a:lnSpc>
-            <a:spcBef>
-              <a:spcPct val="0"/>
-            </a:spcBef>
-            <a:spcAft>
-              <a:spcPct val="35000"/>
-            </a:spcAft>
-          </a:pPr>
-          <a:endParaRPr lang="ko-KR" altLang="en-US" sz="1200" kern="1200"/>
-        </a:p>
-      </dsp:txBody>
-      <dsp:txXfrm>
-        <a:off x="3055839" y="449235"/>
-        <a:ext cx="181161" cy="181648"/>
-      </dsp:txXfrm>
-    </dsp:sp>
-    <dsp:sp modelId="{F5E8424D-863D-48DA-BD62-C8FCE77FA41E}">
-      <dsp:nvSpPr>
-        <dsp:cNvPr id="0" name=""/>
-        <dsp:cNvSpPr/>
-      </dsp:nvSpPr>
-      <dsp:spPr>
-        <a:xfrm>
-          <a:off x="3422067" y="173831"/>
-          <a:ext cx="1220760" cy="732456"/>
-        </a:xfrm>
-        <a:prstGeom prst="roundRect">
-          <a:avLst>
-            <a:gd name="adj" fmla="val 10000"/>
-          </a:avLst>
-        </a:prstGeom>
-        <a:solidFill>
-          <a:schemeClr val="accent1">
-            <a:hueOff val="0"/>
-            <a:satOff val="0"/>
-            <a:lumOff val="0"/>
-            <a:alphaOff val="0"/>
-          </a:schemeClr>
-        </a:solidFill>
-        <a:ln w="12700" cap="flat" cmpd="sng" algn="ctr">
-          <a:solidFill>
-            <a:schemeClr val="lt1">
-              <a:hueOff val="0"/>
-              <a:satOff val="0"/>
-              <a:lumOff val="0"/>
-              <a:alphaOff val="0"/>
-            </a:schemeClr>
-          </a:solidFill>
-          <a:prstDash val="solid"/>
-        </a:ln>
-        <a:effectLst/>
-      </dsp:spPr>
-      <dsp:style>
-        <a:lnRef idx="2">
-          <a:scrgbClr r="0" g="0" b="0"/>
-        </a:lnRef>
-        <a:fillRef idx="1">
-          <a:scrgbClr r="0" g="0" b="0"/>
-        </a:fillRef>
-        <a:effectRef idx="0">
-          <a:scrgbClr r="0" g="0" b="0"/>
-        </a:effectRef>
-        <a:fontRef idx="minor">
-          <a:schemeClr val="lt1"/>
-        </a:fontRef>
-      </dsp:style>
-      <dsp:txBody>
-        <a:bodyPr spcFirstLastPara="0" vert="horz" wrap="square" lIns="57150" tIns="57150" rIns="57150" bIns="57150" numCol="1" spcCol="1270" anchor="ctr" anchorCtr="0">
-          <a:noAutofit/>
-        </a:bodyPr>
-        <a:lstStyle/>
-        <a:p>
-          <a:pPr lvl="0" algn="ctr" defTabSz="666750" latinLnBrk="1">
-            <a:lnSpc>
-              <a:spcPct val="90000"/>
-            </a:lnSpc>
-            <a:spcBef>
-              <a:spcPct val="0"/>
-            </a:spcBef>
-            <a:spcAft>
-              <a:spcPct val="35000"/>
-            </a:spcAft>
-          </a:pPr>
-          <a:r>
-            <a:rPr lang="en-US" altLang="ko-KR" sz="1500" kern="1200" dirty="0" smtClean="0"/>
-            <a:t>Animation</a:t>
-          </a:r>
-          <a:endParaRPr lang="ko-KR" altLang="en-US" sz="1500" kern="1200" dirty="0"/>
-        </a:p>
-      </dsp:txBody>
-      <dsp:txXfrm>
-        <a:off x="3443520" y="195284"/>
-        <a:ext cx="1177854" cy="689550"/>
-      </dsp:txXfrm>
-    </dsp:sp>
-    <dsp:sp modelId="{2736B526-2402-4BF5-91C5-256C3E9D628E}">
-      <dsp:nvSpPr>
-        <dsp:cNvPr id="0" name=""/>
-        <dsp:cNvSpPr/>
-      </dsp:nvSpPr>
-      <dsp:spPr>
-        <a:xfrm>
-          <a:off x="4764904" y="388685"/>
-          <a:ext cx="258801" cy="302748"/>
-        </a:xfrm>
-        <a:prstGeom prst="rightArrow">
-          <a:avLst>
-            <a:gd name="adj1" fmla="val 60000"/>
-            <a:gd name="adj2" fmla="val 50000"/>
-          </a:avLst>
-        </a:prstGeom>
-        <a:solidFill>
-          <a:schemeClr val="accent1">
-            <a:tint val="60000"/>
-            <a:hueOff val="0"/>
-            <a:satOff val="0"/>
-            <a:lumOff val="0"/>
-            <a:alphaOff val="0"/>
-          </a:schemeClr>
-        </a:solidFill>
-        <a:ln>
-          <a:noFill/>
-        </a:ln>
-        <a:effectLst/>
-      </dsp:spPr>
-      <dsp:style>
-        <a:lnRef idx="0">
-          <a:scrgbClr r="0" g="0" b="0"/>
-        </a:lnRef>
-        <a:fillRef idx="1">
-          <a:scrgbClr r="0" g="0" b="0"/>
-        </a:fillRef>
-        <a:effectRef idx="0">
-          <a:scrgbClr r="0" g="0" b="0"/>
-        </a:effectRef>
-        <a:fontRef idx="minor">
-          <a:schemeClr val="lt1"/>
-        </a:fontRef>
-      </dsp:style>
-      <dsp:txBody>
-        <a:bodyPr spcFirstLastPara="0" vert="horz" wrap="square" lIns="0" tIns="0" rIns="0" bIns="0" numCol="1" spcCol="1270" anchor="ctr" anchorCtr="0">
-          <a:noAutofit/>
-        </a:bodyPr>
-        <a:lstStyle/>
-        <a:p>
-          <a:pPr lvl="0" algn="ctr" defTabSz="533400" latinLnBrk="1">
-            <a:lnSpc>
-              <a:spcPct val="90000"/>
-            </a:lnSpc>
-            <a:spcBef>
-              <a:spcPct val="0"/>
-            </a:spcBef>
-            <a:spcAft>
-              <a:spcPct val="35000"/>
-            </a:spcAft>
-          </a:pPr>
-          <a:endParaRPr lang="ko-KR" altLang="en-US" sz="1200" kern="1200"/>
-        </a:p>
-      </dsp:txBody>
-      <dsp:txXfrm>
-        <a:off x="4764904" y="449235"/>
-        <a:ext cx="181161" cy="181648"/>
-      </dsp:txXfrm>
-    </dsp:sp>
-    <dsp:sp modelId="{38F4557E-F861-44E4-B1C5-9AE37B9E2E7B}">
-      <dsp:nvSpPr>
-        <dsp:cNvPr id="0" name=""/>
-        <dsp:cNvSpPr/>
-      </dsp:nvSpPr>
-      <dsp:spPr>
-        <a:xfrm>
-          <a:off x="5131132" y="173831"/>
-          <a:ext cx="1220760" cy="732456"/>
-        </a:xfrm>
-        <a:prstGeom prst="roundRect">
-          <a:avLst>
-            <a:gd name="adj" fmla="val 10000"/>
-          </a:avLst>
-        </a:prstGeom>
-        <a:solidFill>
-          <a:schemeClr val="accent1">
-            <a:hueOff val="0"/>
-            <a:satOff val="0"/>
-            <a:lumOff val="0"/>
-            <a:alphaOff val="0"/>
-          </a:schemeClr>
-        </a:solidFill>
-        <a:ln w="12700" cap="flat" cmpd="sng" algn="ctr">
-          <a:solidFill>
-            <a:schemeClr val="lt1">
-              <a:hueOff val="0"/>
-              <a:satOff val="0"/>
-              <a:lumOff val="0"/>
-              <a:alphaOff val="0"/>
-            </a:schemeClr>
-          </a:solidFill>
-          <a:prstDash val="solid"/>
-        </a:ln>
-        <a:effectLst/>
-      </dsp:spPr>
-      <dsp:style>
-        <a:lnRef idx="2">
-          <a:scrgbClr r="0" g="0" b="0"/>
-        </a:lnRef>
-        <a:fillRef idx="1">
-          <a:scrgbClr r="0" g="0" b="0"/>
-        </a:fillRef>
-        <a:effectRef idx="0">
-          <a:scrgbClr r="0" g="0" b="0"/>
-        </a:effectRef>
-        <a:fontRef idx="minor">
-          <a:schemeClr val="lt1"/>
-        </a:fontRef>
-      </dsp:style>
-      <dsp:txBody>
-        <a:bodyPr spcFirstLastPara="0" vert="horz" wrap="square" lIns="57150" tIns="57150" rIns="57150" bIns="57150" numCol="1" spcCol="1270" anchor="ctr" anchorCtr="0">
-          <a:noAutofit/>
-        </a:bodyPr>
-        <a:lstStyle/>
-        <a:p>
-          <a:pPr lvl="0" algn="ctr" defTabSz="666750" latinLnBrk="1">
-            <a:lnSpc>
-              <a:spcPct val="90000"/>
-            </a:lnSpc>
-            <a:spcBef>
-              <a:spcPct val="0"/>
-            </a:spcBef>
-            <a:spcAft>
-              <a:spcPct val="35000"/>
-            </a:spcAft>
-          </a:pPr>
-          <a:r>
-            <a:rPr lang="en-US" altLang="ko-KR" sz="1500" kern="1200" dirty="0" smtClean="0"/>
-            <a:t>Rendering</a:t>
-          </a:r>
-          <a:endParaRPr lang="ko-KR" altLang="en-US" sz="1500" kern="1200" dirty="0"/>
-        </a:p>
-      </dsp:txBody>
-      <dsp:txXfrm>
-        <a:off x="5152585" y="195284"/>
-        <a:ext cx="1177854" cy="689550"/>
-      </dsp:txXfrm>
-    </dsp:sp>
-    <dsp:sp modelId="{AC637477-D222-4282-9418-B2173DCE6B80}">
-      <dsp:nvSpPr>
-        <dsp:cNvPr id="0" name=""/>
-        <dsp:cNvSpPr/>
-      </dsp:nvSpPr>
-      <dsp:spPr>
-        <a:xfrm>
-          <a:off x="6473969" y="388685"/>
-          <a:ext cx="258801" cy="302748"/>
-        </a:xfrm>
-        <a:prstGeom prst="rightArrow">
-          <a:avLst>
-            <a:gd name="adj1" fmla="val 60000"/>
-            <a:gd name="adj2" fmla="val 50000"/>
-          </a:avLst>
-        </a:prstGeom>
-        <a:solidFill>
-          <a:schemeClr val="accent1">
-            <a:tint val="60000"/>
-            <a:hueOff val="0"/>
-            <a:satOff val="0"/>
-            <a:lumOff val="0"/>
-            <a:alphaOff val="0"/>
-          </a:schemeClr>
-        </a:solidFill>
-        <a:ln>
-          <a:noFill/>
-        </a:ln>
-        <a:effectLst/>
-      </dsp:spPr>
-      <dsp:style>
-        <a:lnRef idx="0">
-          <a:scrgbClr r="0" g="0" b="0"/>
-        </a:lnRef>
-        <a:fillRef idx="1">
-          <a:scrgbClr r="0" g="0" b="0"/>
-        </a:fillRef>
-        <a:effectRef idx="0">
-          <a:scrgbClr r="0" g="0" b="0"/>
-        </a:effectRef>
-        <a:fontRef idx="minor">
-          <a:schemeClr val="lt1"/>
-        </a:fontRef>
-      </dsp:style>
-      <dsp:txBody>
-        <a:bodyPr spcFirstLastPara="0" vert="horz" wrap="square" lIns="0" tIns="0" rIns="0" bIns="0" numCol="1" spcCol="1270" anchor="ctr" anchorCtr="0">
-          <a:noAutofit/>
-        </a:bodyPr>
-        <a:lstStyle/>
-        <a:p>
-          <a:pPr lvl="0" algn="ctr" defTabSz="533400" latinLnBrk="1">
-            <a:lnSpc>
-              <a:spcPct val="90000"/>
-            </a:lnSpc>
-            <a:spcBef>
-              <a:spcPct val="0"/>
-            </a:spcBef>
-            <a:spcAft>
-              <a:spcPct val="35000"/>
-            </a:spcAft>
-          </a:pPr>
-          <a:endParaRPr lang="ko-KR" altLang="en-US" sz="1200" kern="1200"/>
-        </a:p>
-      </dsp:txBody>
-      <dsp:txXfrm>
-        <a:off x="6473969" y="449235"/>
-        <a:ext cx="181161" cy="181648"/>
-      </dsp:txXfrm>
-    </dsp:sp>
-    <dsp:sp modelId="{D8F50112-7BB2-434E-9490-CD5F15628141}">
-      <dsp:nvSpPr>
-        <dsp:cNvPr id="0" name=""/>
-        <dsp:cNvSpPr/>
-      </dsp:nvSpPr>
-      <dsp:spPr>
-        <a:xfrm>
-          <a:off x="6840197" y="173831"/>
-          <a:ext cx="1220760" cy="732456"/>
-        </a:xfrm>
-        <a:prstGeom prst="roundRect">
-          <a:avLst>
-            <a:gd name="adj" fmla="val 10000"/>
-          </a:avLst>
-        </a:prstGeom>
-        <a:solidFill>
-          <a:schemeClr val="accent1">
-            <a:hueOff val="0"/>
-            <a:satOff val="0"/>
-            <a:lumOff val="0"/>
-            <a:alphaOff val="0"/>
-          </a:schemeClr>
-        </a:solidFill>
-        <a:ln w="12700" cap="flat" cmpd="sng" algn="ctr">
-          <a:solidFill>
-            <a:schemeClr val="lt1">
-              <a:hueOff val="0"/>
-              <a:satOff val="0"/>
-              <a:lumOff val="0"/>
-              <a:alphaOff val="0"/>
-            </a:schemeClr>
-          </a:solidFill>
-          <a:prstDash val="solid"/>
-        </a:ln>
-        <a:effectLst/>
-      </dsp:spPr>
-      <dsp:style>
-        <a:lnRef idx="2">
-          <a:scrgbClr r="0" g="0" b="0"/>
-        </a:lnRef>
-        <a:fillRef idx="1">
-          <a:scrgbClr r="0" g="0" b="0"/>
-        </a:fillRef>
-        <a:effectRef idx="0">
-          <a:scrgbClr r="0" g="0" b="0"/>
-        </a:effectRef>
-        <a:fontRef idx="minor">
-          <a:schemeClr val="lt1"/>
-        </a:fontRef>
-      </dsp:style>
-      <dsp:txBody>
-        <a:bodyPr spcFirstLastPara="0" vert="horz" wrap="square" lIns="57150" tIns="57150" rIns="57150" bIns="57150" numCol="1" spcCol="1270" anchor="ctr" anchorCtr="0">
-          <a:noAutofit/>
-        </a:bodyPr>
-        <a:lstStyle/>
-        <a:p>
-          <a:pPr lvl="0" algn="ctr" defTabSz="666750" latinLnBrk="1">
-            <a:lnSpc>
-              <a:spcPct val="90000"/>
-            </a:lnSpc>
-            <a:spcBef>
-              <a:spcPct val="0"/>
-            </a:spcBef>
-            <a:spcAft>
-              <a:spcPct val="35000"/>
-            </a:spcAft>
-          </a:pPr>
-          <a:r>
-            <a:rPr lang="en-US" altLang="ko-KR" sz="1500" kern="1200" dirty="0" smtClean="0"/>
-            <a:t>Post Processing</a:t>
-          </a:r>
-          <a:endParaRPr lang="ko-KR" altLang="en-US" sz="1500" kern="1200" dirty="0"/>
-        </a:p>
-      </dsp:txBody>
-      <dsp:txXfrm>
-        <a:off x="6861650" y="195284"/>
-        <a:ext cx="1177854" cy="689550"/>
-      </dsp:txXfrm>
-    </dsp:sp>
   </dsp:spTree>
 </dsp:drawing>
 </file>
@@ -6303,7 +4959,7 @@
           <a:p>
             <a:fld id="{5FC88074-31B5-4C83-A44E-D92FFDE4E4B0}" type="datetimeFigureOut">
               <a:rPr lang="ko-KR" altLang="en-US" smtClean="0"/>
-              <a:t>2018-03-11</a:t>
+              <a:t>2018-03-12</a:t>
             </a:fld>
             <a:endParaRPr lang="ko-KR" altLang="en-US"/>
           </a:p>
@@ -6745,7 +5401,7 @@
         <p:nvSpPr>
           <p:cNvPr id="57347" name="Rectangle 2"/>
           <p:cNvSpPr>
-            <a:spLocks noChangeArrowheads="1" noTextEdit="1"/>
+            <a:spLocks noGrp="1" noRot="1" noChangeAspect="1" noChangeArrowheads="1" noTextEdit="1"/>
           </p:cNvSpPr>
           <p:nvPr>
             <p:ph type="sldImg"/>
@@ -6979,7 +5635,7 @@
         <p:nvSpPr>
           <p:cNvPr id="58371" name="Rectangle 2"/>
           <p:cNvSpPr>
-            <a:spLocks noChangeArrowheads="1" noTextEdit="1"/>
+            <a:spLocks noGrp="1" noRot="1" noChangeAspect="1" noChangeArrowheads="1" noTextEdit="1"/>
           </p:cNvSpPr>
           <p:nvPr>
             <p:ph type="sldImg"/>
@@ -7213,7 +5869,7 @@
         <p:nvSpPr>
           <p:cNvPr id="59395" name="Rectangle 2"/>
           <p:cNvSpPr>
-            <a:spLocks noChangeArrowheads="1" noTextEdit="1"/>
+            <a:spLocks noGrp="1" noRot="1" noChangeAspect="1" noChangeArrowheads="1" noTextEdit="1"/>
           </p:cNvSpPr>
           <p:nvPr>
             <p:ph type="sldImg"/>
@@ -7447,7 +6103,7 @@
         <p:nvSpPr>
           <p:cNvPr id="60419" name="Rectangle 2"/>
           <p:cNvSpPr>
-            <a:spLocks noChangeArrowheads="1" noTextEdit="1"/>
+            <a:spLocks noGrp="1" noRot="1" noChangeAspect="1" noChangeArrowheads="1" noTextEdit="1"/>
           </p:cNvSpPr>
           <p:nvPr>
             <p:ph type="sldImg"/>
@@ -7701,7 +6357,7 @@
           <a:p>
             <a:fld id="{AD7CEBEF-44CC-4756-AF8E-8A43CE19580B}" type="datetimeFigureOut">
               <a:rPr lang="ko-KR" altLang="en-US" smtClean="0"/>
-              <a:t>2018-03-11</a:t>
+              <a:t>2018-03-12</a:t>
             </a:fld>
             <a:endParaRPr lang="ko-KR" altLang="en-US"/>
           </a:p>
@@ -8054,7 +6710,7 @@
           <a:p>
             <a:fld id="{AD7CEBEF-44CC-4756-AF8E-8A43CE19580B}" type="datetimeFigureOut">
               <a:rPr lang="ko-KR" altLang="en-US" smtClean="0"/>
-              <a:t>2018-03-11</a:t>
+              <a:t>2018-03-12</a:t>
             </a:fld>
             <a:endParaRPr lang="ko-KR" altLang="en-US"/>
           </a:p>
@@ -8229,7 +6885,7 @@
           <a:p>
             <a:fld id="{AD7CEBEF-44CC-4756-AF8E-8A43CE19580B}" type="datetimeFigureOut">
               <a:rPr lang="ko-KR" altLang="en-US" smtClean="0"/>
-              <a:t>2018-03-11</a:t>
+              <a:t>2018-03-12</a:t>
             </a:fld>
             <a:endParaRPr lang="ko-KR" altLang="en-US"/>
           </a:p>
@@ -8623,7 +7279,7 @@
           <a:p>
             <a:fld id="{AD7CEBEF-44CC-4756-AF8E-8A43CE19580B}" type="datetimeFigureOut">
               <a:rPr lang="ko-KR" altLang="en-US" smtClean="0"/>
-              <a:t>2018-03-11</a:t>
+              <a:t>2018-03-12</a:t>
             </a:fld>
             <a:endParaRPr lang="ko-KR" altLang="en-US"/>
           </a:p>
@@ -8981,7 +7637,7 @@
           <a:p>
             <a:fld id="{AD7CEBEF-44CC-4756-AF8E-8A43CE19580B}" type="datetimeFigureOut">
               <a:rPr lang="ko-KR" altLang="en-US" smtClean="0"/>
-              <a:t>2018-03-11</a:t>
+              <a:t>2018-03-12</a:t>
             </a:fld>
             <a:endParaRPr lang="ko-KR" altLang="en-US"/>
           </a:p>
@@ -9246,7 +7902,7 @@
           <a:p>
             <a:fld id="{AD7CEBEF-44CC-4756-AF8E-8A43CE19580B}" type="datetimeFigureOut">
               <a:rPr lang="ko-KR" altLang="en-US" smtClean="0"/>
-              <a:t>2018-03-11</a:t>
+              <a:t>2018-03-12</a:t>
             </a:fld>
             <a:endParaRPr lang="ko-KR" altLang="en-US"/>
           </a:p>
@@ -9608,7 +8264,7 @@
           <a:p>
             <a:fld id="{AD7CEBEF-44CC-4756-AF8E-8A43CE19580B}" type="datetimeFigureOut">
               <a:rPr lang="ko-KR" altLang="en-US" smtClean="0"/>
-              <a:t>2018-03-11</a:t>
+              <a:t>2018-03-12</a:t>
             </a:fld>
             <a:endParaRPr lang="ko-KR" altLang="en-US"/>
           </a:p>
@@ -9835,7 +8491,7 @@
           <a:p>
             <a:fld id="{AD7CEBEF-44CC-4756-AF8E-8A43CE19580B}" type="datetimeFigureOut">
               <a:rPr lang="ko-KR" altLang="en-US" smtClean="0"/>
-              <a:t>2018-03-11</a:t>
+              <a:t>2018-03-12</a:t>
             </a:fld>
             <a:endParaRPr lang="ko-KR" altLang="en-US"/>
           </a:p>
@@ -9925,7 +8581,7 @@
           <a:p>
             <a:fld id="{AD7CEBEF-44CC-4756-AF8E-8A43CE19580B}" type="datetimeFigureOut">
               <a:rPr lang="ko-KR" altLang="en-US" smtClean="0"/>
-              <a:t>2018-03-11</a:t>
+              <a:t>2018-03-12</a:t>
             </a:fld>
             <a:endParaRPr lang="ko-KR" altLang="en-US"/>
           </a:p>
@@ -10192,7 +8848,7 @@
           <a:p>
             <a:fld id="{AD7CEBEF-44CC-4756-AF8E-8A43CE19580B}" type="datetimeFigureOut">
               <a:rPr lang="ko-KR" altLang="en-US" smtClean="0"/>
-              <a:t>2018-03-11</a:t>
+              <a:t>2018-03-12</a:t>
             </a:fld>
             <a:endParaRPr lang="ko-KR" altLang="en-US"/>
           </a:p>
@@ -10420,7 +9076,7 @@
           <a:p>
             <a:fld id="{AD7CEBEF-44CC-4756-AF8E-8A43CE19580B}" type="datetimeFigureOut">
               <a:rPr lang="ko-KR" altLang="en-US" smtClean="0"/>
-              <a:t>2018-03-11</a:t>
+              <a:t>2018-03-12</a:t>
             </a:fld>
             <a:endParaRPr lang="ko-KR" altLang="en-US"/>
           </a:p>
@@ -10919,7 +9575,7 @@
           <a:p>
             <a:fld id="{AD7CEBEF-44CC-4756-AF8E-8A43CE19580B}" type="datetimeFigureOut">
               <a:rPr lang="ko-KR" altLang="en-US" smtClean="0"/>
-              <a:t>2018-03-11</a:t>
+              <a:t>2018-03-12</a:t>
             </a:fld>
             <a:endParaRPr lang="ko-KR" altLang="en-US"/>
           </a:p>
@@ -13250,199 +11906,6 @@
     <p:extLst>
       <p:ext uri="{BB962C8B-B14F-4D97-AF65-F5344CB8AC3E}">
         <p14:creationId xmlns:p14="http://schemas.microsoft.com/office/powerpoint/2010/main" val="1102789319"/>
-      </p:ext>
-    </p:extLst>
-  </p:cSld>
-  <p:clrMapOvr>
-    <a:masterClrMapping/>
-  </p:clrMapOvr>
-</p:sld>
-</file>
-
-<file path=ppt/slides/slide17.xml><?xml version="1.0" encoding="utf-8"?>
-<p:sld xmlns:a="http://schemas.openxmlformats.org/drawingml/2006/main" xmlns:r="http://schemas.openxmlformats.org/officeDocument/2006/relationships" xmlns:p="http://schemas.openxmlformats.org/presentationml/2006/main">
-  <p:cSld>
-    <p:spTree>
-      <p:nvGrpSpPr>
-        <p:cNvPr id="1" name=""/>
-        <p:cNvGrpSpPr/>
-        <p:nvPr/>
-      </p:nvGrpSpPr>
-      <p:grpSpPr>
-        <a:xfrm>
-          <a:off x="0" y="0"/>
-          <a:ext cx="0" cy="0"/>
-          <a:chOff x="0" y="0"/>
-          <a:chExt cx="0" cy="0"/>
-        </a:xfrm>
-      </p:grpSpPr>
-      <p:sp>
-        <p:nvSpPr>
-          <p:cNvPr id="2" name="제목 1"/>
-          <p:cNvSpPr>
-            <a:spLocks noGrp="1"/>
-          </p:cNvSpPr>
-          <p:nvPr>
-            <p:ph type="title"/>
-          </p:nvPr>
-        </p:nvSpPr>
-        <p:spPr>
-          <a:xfrm>
-            <a:off x="914400" y="274638"/>
-            <a:ext cx="7772400" cy="634082"/>
-          </a:xfrm>
-        </p:spPr>
-        <p:txBody>
-          <a:bodyPr>
-            <a:normAutofit fontScale="90000"/>
-          </a:bodyPr>
-          <a:lstStyle/>
-          <a:p>
-            <a:r>
-              <a:rPr lang="en-US" altLang="ko-KR" dirty="0" smtClean="0"/>
-              <a:t>2.3 </a:t>
-            </a:r>
-            <a:r>
-              <a:rPr lang="ko-KR" altLang="en-US" dirty="0" err="1" smtClean="0"/>
-              <a:t>노멀</a:t>
-            </a:r>
-            <a:r>
-              <a:rPr lang="ko-KR" altLang="en-US" dirty="0" smtClean="0"/>
-              <a:t> 벡터</a:t>
-            </a:r>
-            <a:endParaRPr lang="ko-KR" altLang="en-US" dirty="0"/>
-          </a:p>
-        </p:txBody>
-      </p:sp>
-      <p:sp>
-        <p:nvSpPr>
-          <p:cNvPr id="3" name="내용 개체 틀 2"/>
-          <p:cNvSpPr>
-            <a:spLocks noGrp="1"/>
-          </p:cNvSpPr>
-          <p:nvPr>
-            <p:ph sz="quarter" idx="1"/>
-          </p:nvPr>
-        </p:nvSpPr>
-        <p:spPr/>
-        <p:txBody>
-          <a:bodyPr/>
-          <a:lstStyle/>
-          <a:p>
-            <a:endParaRPr lang="ko-KR" altLang="en-US" dirty="0"/>
-          </a:p>
-        </p:txBody>
-      </p:sp>
-    </p:spTree>
-    <p:extLst>
-      <p:ext uri="{BB962C8B-B14F-4D97-AF65-F5344CB8AC3E}">
-        <p14:creationId xmlns:p14="http://schemas.microsoft.com/office/powerpoint/2010/main" val="1184877591"/>
-      </p:ext>
-    </p:extLst>
-  </p:cSld>
-  <p:clrMapOvr>
-    <a:masterClrMapping/>
-  </p:clrMapOvr>
-</p:sld>
-</file>
-
-<file path=ppt/slides/slide18.xml><?xml version="1.0" encoding="utf-8"?>
-<p:sld xmlns:a="http://schemas.openxmlformats.org/drawingml/2006/main" xmlns:r="http://schemas.openxmlformats.org/officeDocument/2006/relationships" xmlns:p="http://schemas.openxmlformats.org/presentationml/2006/main">
-  <p:cSld>
-    <p:spTree>
-      <p:nvGrpSpPr>
-        <p:cNvPr id="1" name=""/>
-        <p:cNvGrpSpPr/>
-        <p:nvPr/>
-      </p:nvGrpSpPr>
-      <p:grpSpPr>
-        <a:xfrm>
-          <a:off x="0" y="0"/>
-          <a:ext cx="0" cy="0"/>
-          <a:chOff x="0" y="0"/>
-          <a:chExt cx="0" cy="0"/>
-        </a:xfrm>
-      </p:grpSpPr>
-      <p:sp>
-        <p:nvSpPr>
-          <p:cNvPr id="2" name="제목 1"/>
-          <p:cNvSpPr>
-            <a:spLocks noGrp="1"/>
-          </p:cNvSpPr>
-          <p:nvPr>
-            <p:ph type="title"/>
-          </p:nvPr>
-        </p:nvSpPr>
-        <p:spPr>
-          <a:xfrm>
-            <a:off x="914400" y="274638"/>
-            <a:ext cx="7772400" cy="634082"/>
-          </a:xfrm>
-        </p:spPr>
-        <p:txBody>
-          <a:bodyPr>
-            <a:normAutofit fontScale="90000"/>
-          </a:bodyPr>
-          <a:lstStyle/>
-          <a:p>
-            <a:r>
-              <a:rPr lang="en-US" altLang="ko-KR" dirty="0" smtClean="0"/>
-              <a:t>3 </a:t>
-            </a:r>
-            <a:r>
-              <a:rPr lang="ko-KR" altLang="en-US" dirty="0" err="1" smtClean="0"/>
-              <a:t>좌표</a:t>
-            </a:r>
-            <a:r>
-              <a:rPr lang="ko-KR" altLang="en-US" dirty="0" err="1"/>
-              <a:t>계</a:t>
-            </a:r>
-            <a:endParaRPr lang="ko-KR" altLang="en-US" dirty="0"/>
-          </a:p>
-        </p:txBody>
-      </p:sp>
-      <p:sp>
-        <p:nvSpPr>
-          <p:cNvPr id="3" name="내용 개체 틀 2"/>
-          <p:cNvSpPr>
-            <a:spLocks noGrp="1"/>
-          </p:cNvSpPr>
-          <p:nvPr>
-            <p:ph sz="quarter" idx="1"/>
-          </p:nvPr>
-        </p:nvSpPr>
-        <p:spPr/>
-        <p:txBody>
-          <a:bodyPr/>
-          <a:lstStyle/>
-          <a:p>
-            <a:r>
-              <a:rPr lang="ko-KR" altLang="en-US" dirty="0" smtClean="0"/>
-              <a:t>오른손 </a:t>
-            </a:r>
-            <a:r>
-              <a:rPr lang="ko-KR" altLang="en-US" dirty="0" err="1" smtClean="0"/>
-              <a:t>좌표계</a:t>
-            </a:r>
-            <a:endParaRPr lang="en-US" altLang="ko-KR" dirty="0" smtClean="0"/>
-          </a:p>
-          <a:p>
-            <a:r>
-              <a:rPr lang="ko-KR" altLang="en-US" dirty="0" smtClean="0"/>
-              <a:t>왼손 </a:t>
-            </a:r>
-            <a:r>
-              <a:rPr lang="ko-KR" altLang="en-US" smtClean="0"/>
-              <a:t>좌표계</a:t>
-            </a:r>
-            <a:endParaRPr lang="ko-KR" altLang="en-US" dirty="0"/>
-          </a:p>
-        </p:txBody>
-      </p:sp>
-    </p:spTree>
-    <p:extLst>
-      <p:ext uri="{BB962C8B-B14F-4D97-AF65-F5344CB8AC3E}">
-        <p14:creationId xmlns:p14="http://schemas.microsoft.com/office/powerpoint/2010/main" val="1426521532"/>
       </p:ext>
     </p:extLst>
   </p:cSld>
